--- a/assets/reports/20201019.pptx
+++ b/assets/reports/20201019.pptx
@@ -210,7 +210,7 @@
           <a:p>
             <a:fld id="{B4F92756-C5E1-414C-8D5B-61B7E77715E2}" type="datetimeFigureOut">
               <a:rPr lang="en-US" smtClean="0"/>
-              <a:t>10/12/2020</a:t>
+              <a:t>10/18/2020</a:t>
             </a:fld>
             <a:endParaRPr lang="en-US"/>
           </a:p>
@@ -379,7 +379,7 @@
           <a:p>
             <a:fld id="{DBA1148A-302C-4EB9-A1FB-86FEBAF3649D}" type="datetimeFigureOut">
               <a:rPr lang="en-US" smtClean="0"/>
-              <a:t>10/12/2020</a:t>
+              <a:t>10/18/2020</a:t>
             </a:fld>
             <a:endParaRPr lang="en-US"/>
           </a:p>
@@ -910,7 +910,7 @@
           <a:p>
             <a:fld id="{D297983E-23AF-46F8-876A-BC580C1FAACC}" type="datetime1">
               <a:rPr lang="en-US" smtClean="0"/>
-              <a:t>10/12/2020</a:t>
+              <a:t>10/18/2020</a:t>
             </a:fld>
             <a:endParaRPr lang="en-US"/>
           </a:p>
@@ -1104,7 +1104,7 @@
           <a:p>
             <a:fld id="{52A45906-4D2D-4E18-B9FE-9E3145B39EAE}" type="datetime1">
               <a:rPr lang="en-US" smtClean="0"/>
-              <a:t>10/12/2020</a:t>
+              <a:t>10/18/2020</a:t>
             </a:fld>
             <a:endParaRPr lang="en-US"/>
           </a:p>
@@ -7408,7 +7408,7 @@
           <a:p>
             <a:fld id="{456A3C91-B8C5-425F-9BFC-06B81986C584}" type="datetime1">
               <a:rPr lang="en-US" smtClean="0"/>
-              <a:t>10/12/2020</a:t>
+              <a:t>10/18/2020</a:t>
             </a:fld>
             <a:endParaRPr lang="en-US"/>
           </a:p>
@@ -8686,7 +8686,7 @@
           <a:p>
             <a:fld id="{A9D1A30E-DE6B-4770-8757-4DEC6351863C}" type="datetime1">
               <a:rPr lang="en-US" smtClean="0"/>
-              <a:t>10/12/2020</a:t>
+              <a:t>10/18/2020</a:t>
             </a:fld>
             <a:endParaRPr lang="en-US" dirty="0"/>
           </a:p>
@@ -9066,7 +9066,7 @@
           <a:p>
             <a:fld id="{71060DF7-3B66-43F4-ABA6-8DE1125C1915}" type="datetime1">
               <a:rPr lang="en-US" smtClean="0"/>
-              <a:t>10/12/2020</a:t>
+              <a:t>10/18/2020</a:t>
             </a:fld>
             <a:endParaRPr lang="en-US"/>
           </a:p>
@@ -9199,7 +9199,7 @@
           <a:p>
             <a:fld id="{9F8FB16D-8B03-47E2-9BF4-98200CBA3CA6}" type="datetime1">
               <a:rPr lang="en-US" smtClean="0"/>
-              <a:t>10/12/2020</a:t>
+              <a:t>10/18/2020</a:t>
             </a:fld>
             <a:endParaRPr lang="en-US"/>
           </a:p>
@@ -9310,7 +9310,7 @@
           <a:p>
             <a:fld id="{A7875D1E-13AE-46BB-8C89-5C78B94C366E}" type="datetime1">
               <a:rPr lang="en-US" smtClean="0"/>
-              <a:t>10/12/2020</a:t>
+              <a:t>10/18/2020</a:t>
             </a:fld>
             <a:endParaRPr lang="en-US"/>
           </a:p>
@@ -9601,7 +9601,7 @@
           <a:p>
             <a:fld id="{296CB1A1-10B4-4A56-9A36-6D445BD9D6E5}" type="datetime1">
               <a:rPr lang="en-US" smtClean="0"/>
-              <a:t>10/12/2020</a:t>
+              <a:t>10/18/2020</a:t>
             </a:fld>
             <a:endParaRPr lang="en-US"/>
           </a:p>
@@ -9872,7 +9872,7 @@
           <a:p>
             <a:fld id="{ED2AB522-E6A2-4B46-A750-7AF9600B9FCE}" type="datetime1">
               <a:rPr lang="en-US" smtClean="0"/>
-              <a:t>10/12/2020</a:t>
+              <a:t>10/18/2020</a:t>
             </a:fld>
             <a:endParaRPr lang="en-US"/>
           </a:p>
@@ -11751,10 +11751,19 @@
                 <a:ea typeface="Tahoma" panose="020B0604030504040204" pitchFamily="34" charset="0"/>
                 <a:cs typeface="Tahoma" panose="020B0604030504040204" pitchFamily="34" charset="0"/>
               </a:rPr>
-              <a:t>Merge all parts:</a:t>
-            </a:r>
-          </a:p>
-          <a:p>
+              <a:t>Merge all </a:t>
+            </a:r>
+            <a:r>
+              <a:rPr lang="en-US" sz="2400" dirty="0" smtClean="0">
+                <a:solidFill>
+                  <a:srgbClr val="002060"/>
+                </a:solidFill>
+                <a:latin typeface="Tahoma" panose="020B0604030504040204" pitchFamily="34" charset="0"/>
+                <a:ea typeface="Tahoma" panose="020B0604030504040204" pitchFamily="34" charset="0"/>
+                <a:cs typeface="Tahoma" panose="020B0604030504040204" pitchFamily="34" charset="0"/>
+              </a:rPr>
+              <a:t>parts and cut ROI:</a:t>
+            </a:r>
             <a:endParaRPr lang="en-US" sz="2400" dirty="0">
               <a:solidFill>
                 <a:srgbClr val="002060"/>
@@ -11765,6 +11774,16 @@
             </a:endParaRPr>
           </a:p>
           <a:p>
+            <a:endParaRPr lang="en-US" sz="2400" dirty="0">
+              <a:solidFill>
+                <a:srgbClr val="002060"/>
+              </a:solidFill>
+              <a:latin typeface="Tahoma" panose="020B0604030504040204" pitchFamily="34" charset="0"/>
+              <a:ea typeface="Tahoma" panose="020B0604030504040204" pitchFamily="34" charset="0"/>
+              <a:cs typeface="Tahoma" panose="020B0604030504040204" pitchFamily="34" charset="0"/>
+            </a:endParaRPr>
+          </a:p>
+          <a:p>
             <a:endParaRPr lang="en-US" dirty="0">
               <a:solidFill>
                 <a:srgbClr val="00B050"/>
@@ -11790,12 +11809,20 @@
               <a:buChar char="•"/>
             </a:pPr>
             <a:r>
+              <a:rPr lang="en-US" sz="2400" dirty="0" smtClean="0">
+                <a:latin typeface="Tahoma" panose="020B0604030504040204" pitchFamily="34" charset="0"/>
+                <a:ea typeface="Tahoma" panose="020B0604030504040204" pitchFamily="34" charset="0"/>
+                <a:cs typeface="Tahoma" panose="020B0604030504040204" pitchFamily="34" charset="0"/>
+              </a:rPr>
+              <a:t>Align </a:t>
+            </a:r>
+            <a:r>
               <a:rPr lang="en-US" sz="2400" dirty="0">
                 <a:latin typeface="Tahoma" panose="020B0604030504040204" pitchFamily="34" charset="0"/>
                 <a:ea typeface="Tahoma" panose="020B0604030504040204" pitchFamily="34" charset="0"/>
                 <a:cs typeface="Tahoma" panose="020B0604030504040204" pitchFamily="34" charset="0"/>
               </a:rPr>
-              <a:t>Align with satellite data:</a:t>
+              <a:t>with satellite data:</a:t>
             </a:r>
           </a:p>
           <a:p>
@@ -12044,7 +12071,7 @@
         </p:blipFill>
         <p:spPr>
           <a:xfrm>
-            <a:off x="2394678" y="3481000"/>
+            <a:off x="2284589" y="3481000"/>
             <a:ext cx="3063601" cy="2979043"/>
           </a:xfrm>
           <a:prstGeom prst="rect">
@@ -12082,6 +12109,44 @@
           </a:prstGeom>
         </p:spPr>
       </p:pic>
+      <p:sp>
+        <p:nvSpPr>
+          <p:cNvPr id="10" name="TextBox 9"/>
+          <p:cNvSpPr txBox="1"/>
+          <p:nvPr/>
+        </p:nvSpPr>
+        <p:spPr>
+          <a:xfrm>
+            <a:off x="8360076" y="2451405"/>
+            <a:ext cx="1096582" cy="369332"/>
+          </a:xfrm>
+          <a:prstGeom prst="rect">
+            <a:avLst/>
+          </a:prstGeom>
+          <a:noFill/>
+        </p:spPr>
+        <p:txBody>
+          <a:bodyPr wrap="none" rtlCol="0">
+            <a:spAutoFit/>
+          </a:bodyPr>
+          <a:lstStyle/>
+          <a:p>
+            <a:r>
+              <a:rPr lang="en-US" dirty="0" smtClean="0">
+                <a:solidFill>
+                  <a:srgbClr val="00B050"/>
+                </a:solidFill>
+              </a:rPr>
+              <a:t>cutROI.py</a:t>
+            </a:r>
+            <a:endParaRPr lang="en-US" dirty="0">
+              <a:solidFill>
+                <a:srgbClr val="00B050"/>
+              </a:solidFill>
+            </a:endParaRPr>
+          </a:p>
+        </p:txBody>
+      </p:sp>
     </p:spTree>
     <p:extLst>
       <p:ext uri="{BB962C8B-B14F-4D97-AF65-F5344CB8AC3E}">
